--- a/修論/本文/figure/fig_3_2_3QW_ridge_Ith.pptx
+++ b/修論/本文/figure/fig_3_2_3QW_ridge_Ith.pptx
@@ -270,7 +270,7 @@
           <a:p>
             <a:fld id="{7B2C231C-A4B7-694E-AAA8-A398016C186A}" type="datetimeFigureOut">
               <a:rPr kumimoji="1" lang="ja-JP" altLang="en-US" smtClean="0"/>
-              <a:t>2018/12/21</a:t>
+              <a:t>2018/12/31</a:t>
             </a:fld>
             <a:endParaRPr kumimoji="1" lang="ja-JP" altLang="en-US"/>
           </a:p>
@@ -475,7 +475,7 @@
           <a:p>
             <a:fld id="{7B2C231C-A4B7-694E-AAA8-A398016C186A}" type="datetimeFigureOut">
               <a:rPr kumimoji="1" lang="ja-JP" altLang="en-US" smtClean="0"/>
-              <a:t>2018/12/21</a:t>
+              <a:t>2018/12/31</a:t>
             </a:fld>
             <a:endParaRPr kumimoji="1" lang="ja-JP" altLang="en-US"/>
           </a:p>
@@ -690,7 +690,7 @@
           <a:p>
             <a:fld id="{7B2C231C-A4B7-694E-AAA8-A398016C186A}" type="datetimeFigureOut">
               <a:rPr kumimoji="1" lang="ja-JP" altLang="en-US" smtClean="0"/>
-              <a:t>2018/12/21</a:t>
+              <a:t>2018/12/31</a:t>
             </a:fld>
             <a:endParaRPr kumimoji="1" lang="ja-JP" altLang="en-US"/>
           </a:p>
@@ -895,7 +895,7 @@
           <a:p>
             <a:fld id="{7B2C231C-A4B7-694E-AAA8-A398016C186A}" type="datetimeFigureOut">
               <a:rPr kumimoji="1" lang="ja-JP" altLang="en-US" smtClean="0"/>
-              <a:t>2018/12/21</a:t>
+              <a:t>2018/12/31</a:t>
             </a:fld>
             <a:endParaRPr kumimoji="1" lang="ja-JP" altLang="en-US"/>
           </a:p>
@@ -1205,7 +1205,7 @@
           <a:p>
             <a:fld id="{7B2C231C-A4B7-694E-AAA8-A398016C186A}" type="datetimeFigureOut">
               <a:rPr kumimoji="1" lang="ja-JP" altLang="en-US" smtClean="0"/>
-              <a:t>2018/12/21</a:t>
+              <a:t>2018/12/31</a:t>
             </a:fld>
             <a:endParaRPr kumimoji="1" lang="ja-JP" altLang="en-US"/>
           </a:p>
@@ -1484,7 +1484,7 @@
           <a:p>
             <a:fld id="{7B2C231C-A4B7-694E-AAA8-A398016C186A}" type="datetimeFigureOut">
               <a:rPr kumimoji="1" lang="ja-JP" altLang="en-US" smtClean="0"/>
-              <a:t>2018/12/21</a:t>
+              <a:t>2018/12/31</a:t>
             </a:fld>
             <a:endParaRPr kumimoji="1" lang="ja-JP" altLang="en-US"/>
           </a:p>
@@ -1980,7 +1980,7 @@
           <a:p>
             <a:fld id="{7B2C231C-A4B7-694E-AAA8-A398016C186A}" type="datetimeFigureOut">
               <a:rPr kumimoji="1" lang="ja-JP" altLang="en-US" smtClean="0"/>
-              <a:t>2018/12/21</a:t>
+              <a:t>2018/12/31</a:t>
             </a:fld>
             <a:endParaRPr kumimoji="1" lang="ja-JP" altLang="en-US"/>
           </a:p>
@@ -2121,7 +2121,7 @@
           <a:p>
             <a:fld id="{7B2C231C-A4B7-694E-AAA8-A398016C186A}" type="datetimeFigureOut">
               <a:rPr kumimoji="1" lang="ja-JP" altLang="en-US" smtClean="0"/>
-              <a:t>2018/12/21</a:t>
+              <a:t>2018/12/31</a:t>
             </a:fld>
             <a:endParaRPr kumimoji="1" lang="ja-JP" altLang="en-US"/>
           </a:p>
@@ -2234,7 +2234,7 @@
           <a:p>
             <a:fld id="{7B2C231C-A4B7-694E-AAA8-A398016C186A}" type="datetimeFigureOut">
               <a:rPr kumimoji="1" lang="ja-JP" altLang="en-US" smtClean="0"/>
-              <a:t>2018/12/21</a:t>
+              <a:t>2018/12/31</a:t>
             </a:fld>
             <a:endParaRPr kumimoji="1" lang="ja-JP" altLang="en-US"/>
           </a:p>
@@ -2587,7 +2587,7 @@
           <a:p>
             <a:fld id="{7B2C231C-A4B7-694E-AAA8-A398016C186A}" type="datetimeFigureOut">
               <a:rPr kumimoji="1" lang="ja-JP" altLang="en-US" smtClean="0"/>
-              <a:t>2018/12/21</a:t>
+              <a:t>2018/12/31</a:t>
             </a:fld>
             <a:endParaRPr kumimoji="1" lang="ja-JP" altLang="en-US"/>
           </a:p>
@@ -2910,7 +2910,7 @@
           <a:p>
             <a:fld id="{7B2C231C-A4B7-694E-AAA8-A398016C186A}" type="datetimeFigureOut">
               <a:rPr kumimoji="1" lang="ja-JP" altLang="en-US" smtClean="0"/>
-              <a:t>2018/12/21</a:t>
+              <a:t>2018/12/31</a:t>
             </a:fld>
             <a:endParaRPr kumimoji="1" lang="ja-JP" altLang="en-US"/>
           </a:p>
@@ -3158,7 +3158,7 @@
           <a:p>
             <a:fld id="{7B2C231C-A4B7-694E-AAA8-A398016C186A}" type="datetimeFigureOut">
               <a:rPr kumimoji="1" lang="ja-JP" altLang="en-US" smtClean="0"/>
-              <a:t>2018/12/21</a:t>
+              <a:t>2018/12/31</a:t>
             </a:fld>
             <a:endParaRPr kumimoji="1" lang="ja-JP" altLang="en-US"/>
           </a:p>
@@ -3597,7 +3597,7 @@
         </p:blipFill>
         <p:spPr>
           <a:xfrm>
-            <a:off x="3428373" y="1609169"/>
+            <a:off x="942348" y="1609169"/>
             <a:ext cx="5335253" cy="3639661"/>
           </a:xfrm>
           <a:prstGeom prst="rect">
@@ -3605,6 +3605,108 @@
           </a:prstGeom>
         </p:spPr>
       </p:pic>
+      <p:pic>
+        <p:nvPicPr>
+          <p:cNvPr id="4" name="図 3">
+            <a:extLst>
+              <a:ext uri="{FF2B5EF4-FFF2-40B4-BE49-F238E27FC236}">
+                <a16:creationId xmlns:a16="http://schemas.microsoft.com/office/drawing/2014/main" id="{EE352F08-0275-5C48-A854-84D1494C9AC4}"/>
+              </a:ext>
+            </a:extLst>
+          </p:cNvPr>
+          <p:cNvPicPr>
+            <a:picLocks noChangeAspect="1"/>
+          </p:cNvPicPr>
+          <p:nvPr/>
+        </p:nvPicPr>
+        <p:blipFill>
+          <a:blip r:embed="rId3"/>
+          <a:stretch>
+            <a:fillRect/>
+          </a:stretch>
+        </p:blipFill>
+        <p:spPr>
+          <a:xfrm>
+            <a:off x="6096000" y="1622135"/>
+            <a:ext cx="5030294" cy="3613729"/>
+          </a:xfrm>
+          <a:prstGeom prst="rect">
+            <a:avLst/>
+          </a:prstGeom>
+        </p:spPr>
+      </p:pic>
+      <p:sp>
+        <p:nvSpPr>
+          <p:cNvPr id="2" name="テキスト ボックス 1">
+            <a:extLst>
+              <a:ext uri="{FF2B5EF4-FFF2-40B4-BE49-F238E27FC236}">
+                <a16:creationId xmlns:a16="http://schemas.microsoft.com/office/drawing/2014/main" id="{9FA35C7F-0849-3D45-B9E6-B4A10D7533E3}"/>
+              </a:ext>
+            </a:extLst>
+          </p:cNvPr>
+          <p:cNvSpPr txBox="1"/>
+          <p:nvPr/>
+        </p:nvSpPr>
+        <p:spPr>
+          <a:xfrm>
+            <a:off x="1065706" y="1252803"/>
+            <a:ext cx="1266092" cy="369332"/>
+          </a:xfrm>
+          <a:prstGeom prst="rect">
+            <a:avLst/>
+          </a:prstGeom>
+          <a:noFill/>
+        </p:spPr>
+        <p:txBody>
+          <a:bodyPr wrap="square" rtlCol="0">
+            <a:spAutoFit/>
+          </a:bodyPr>
+          <a:lstStyle/>
+          <a:p>
+            <a:r>
+              <a:rPr kumimoji="1" lang="en-US" altLang="ja-JP" dirty="0"/>
+              <a:t>(a)</a:t>
+            </a:r>
+            <a:endParaRPr kumimoji="1" lang="ja-JP" altLang="en-US"/>
+          </a:p>
+        </p:txBody>
+      </p:sp>
+      <p:sp>
+        <p:nvSpPr>
+          <p:cNvPr id="5" name="テキスト ボックス 4">
+            <a:extLst>
+              <a:ext uri="{FF2B5EF4-FFF2-40B4-BE49-F238E27FC236}">
+                <a16:creationId xmlns:a16="http://schemas.microsoft.com/office/drawing/2014/main" id="{6BD8ED3E-710D-584A-8B27-D22269C36485}"/>
+              </a:ext>
+            </a:extLst>
+          </p:cNvPr>
+          <p:cNvSpPr txBox="1"/>
+          <p:nvPr/>
+        </p:nvSpPr>
+        <p:spPr>
+          <a:xfrm>
+            <a:off x="6096000" y="1239837"/>
+            <a:ext cx="1266092" cy="369332"/>
+          </a:xfrm>
+          <a:prstGeom prst="rect">
+            <a:avLst/>
+          </a:prstGeom>
+          <a:noFill/>
+        </p:spPr>
+        <p:txBody>
+          <a:bodyPr wrap="square" rtlCol="0">
+            <a:spAutoFit/>
+          </a:bodyPr>
+          <a:lstStyle/>
+          <a:p>
+            <a:r>
+              <a:rPr kumimoji="1" lang="en-US" altLang="ja-JP"/>
+              <a:t>(b)</a:t>
+            </a:r>
+            <a:endParaRPr kumimoji="1" lang="ja-JP" altLang="en-US"/>
+          </a:p>
+        </p:txBody>
+      </p:sp>
     </p:spTree>
     <p:extLst>
       <p:ext uri="{BB962C8B-B14F-4D97-AF65-F5344CB8AC3E}">

--- a/修論/本文/figure/fig_3_2_3QW_ridge_Ith.pptx
+++ b/修論/本文/figure/fig_3_2_3QW_ridge_Ith.pptx
@@ -270,7 +270,7 @@
           <a:p>
             <a:fld id="{7B2C231C-A4B7-694E-AAA8-A398016C186A}" type="datetimeFigureOut">
               <a:rPr kumimoji="1" lang="ja-JP" altLang="en-US" smtClean="0"/>
-              <a:t>2018/12/31</a:t>
+              <a:t>2019/1/4</a:t>
             </a:fld>
             <a:endParaRPr kumimoji="1" lang="ja-JP" altLang="en-US"/>
           </a:p>
@@ -475,7 +475,7 @@
           <a:p>
             <a:fld id="{7B2C231C-A4B7-694E-AAA8-A398016C186A}" type="datetimeFigureOut">
               <a:rPr kumimoji="1" lang="ja-JP" altLang="en-US" smtClean="0"/>
-              <a:t>2018/12/31</a:t>
+              <a:t>2019/1/4</a:t>
             </a:fld>
             <a:endParaRPr kumimoji="1" lang="ja-JP" altLang="en-US"/>
           </a:p>
@@ -690,7 +690,7 @@
           <a:p>
             <a:fld id="{7B2C231C-A4B7-694E-AAA8-A398016C186A}" type="datetimeFigureOut">
               <a:rPr kumimoji="1" lang="ja-JP" altLang="en-US" smtClean="0"/>
-              <a:t>2018/12/31</a:t>
+              <a:t>2019/1/4</a:t>
             </a:fld>
             <a:endParaRPr kumimoji="1" lang="ja-JP" altLang="en-US"/>
           </a:p>
@@ -895,7 +895,7 @@
           <a:p>
             <a:fld id="{7B2C231C-A4B7-694E-AAA8-A398016C186A}" type="datetimeFigureOut">
               <a:rPr kumimoji="1" lang="ja-JP" altLang="en-US" smtClean="0"/>
-              <a:t>2018/12/31</a:t>
+              <a:t>2019/1/4</a:t>
             </a:fld>
             <a:endParaRPr kumimoji="1" lang="ja-JP" altLang="en-US"/>
           </a:p>
@@ -1205,7 +1205,7 @@
           <a:p>
             <a:fld id="{7B2C231C-A4B7-694E-AAA8-A398016C186A}" type="datetimeFigureOut">
               <a:rPr kumimoji="1" lang="ja-JP" altLang="en-US" smtClean="0"/>
-              <a:t>2018/12/31</a:t>
+              <a:t>2019/1/4</a:t>
             </a:fld>
             <a:endParaRPr kumimoji="1" lang="ja-JP" altLang="en-US"/>
           </a:p>
@@ -1484,7 +1484,7 @@
           <a:p>
             <a:fld id="{7B2C231C-A4B7-694E-AAA8-A398016C186A}" type="datetimeFigureOut">
               <a:rPr kumimoji="1" lang="ja-JP" altLang="en-US" smtClean="0"/>
-              <a:t>2018/12/31</a:t>
+              <a:t>2019/1/4</a:t>
             </a:fld>
             <a:endParaRPr kumimoji="1" lang="ja-JP" altLang="en-US"/>
           </a:p>
@@ -1980,7 +1980,7 @@
           <a:p>
             <a:fld id="{7B2C231C-A4B7-694E-AAA8-A398016C186A}" type="datetimeFigureOut">
               <a:rPr kumimoji="1" lang="ja-JP" altLang="en-US" smtClean="0"/>
-              <a:t>2018/12/31</a:t>
+              <a:t>2019/1/4</a:t>
             </a:fld>
             <a:endParaRPr kumimoji="1" lang="ja-JP" altLang="en-US"/>
           </a:p>
@@ -2121,7 +2121,7 @@
           <a:p>
             <a:fld id="{7B2C231C-A4B7-694E-AAA8-A398016C186A}" type="datetimeFigureOut">
               <a:rPr kumimoji="1" lang="ja-JP" altLang="en-US" smtClean="0"/>
-              <a:t>2018/12/31</a:t>
+              <a:t>2019/1/4</a:t>
             </a:fld>
             <a:endParaRPr kumimoji="1" lang="ja-JP" altLang="en-US"/>
           </a:p>
@@ -2234,7 +2234,7 @@
           <a:p>
             <a:fld id="{7B2C231C-A4B7-694E-AAA8-A398016C186A}" type="datetimeFigureOut">
               <a:rPr kumimoji="1" lang="ja-JP" altLang="en-US" smtClean="0"/>
-              <a:t>2018/12/31</a:t>
+              <a:t>2019/1/4</a:t>
             </a:fld>
             <a:endParaRPr kumimoji="1" lang="ja-JP" altLang="en-US"/>
           </a:p>
@@ -2587,7 +2587,7 @@
           <a:p>
             <a:fld id="{7B2C231C-A4B7-694E-AAA8-A398016C186A}" type="datetimeFigureOut">
               <a:rPr kumimoji="1" lang="ja-JP" altLang="en-US" smtClean="0"/>
-              <a:t>2018/12/31</a:t>
+              <a:t>2019/1/4</a:t>
             </a:fld>
             <a:endParaRPr kumimoji="1" lang="ja-JP" altLang="en-US"/>
           </a:p>
@@ -2910,7 +2910,7 @@
           <a:p>
             <a:fld id="{7B2C231C-A4B7-694E-AAA8-A398016C186A}" type="datetimeFigureOut">
               <a:rPr kumimoji="1" lang="ja-JP" altLang="en-US" smtClean="0"/>
-              <a:t>2018/12/31</a:t>
+              <a:t>2019/1/4</a:t>
             </a:fld>
             <a:endParaRPr kumimoji="1" lang="ja-JP" altLang="en-US"/>
           </a:p>
@@ -3158,7 +3158,7 @@
           <a:p>
             <a:fld id="{7B2C231C-A4B7-694E-AAA8-A398016C186A}" type="datetimeFigureOut">
               <a:rPr kumimoji="1" lang="ja-JP" altLang="en-US" smtClean="0"/>
-              <a:t>2018/12/31</a:t>
+              <a:t>2019/1/4</a:t>
             </a:fld>
             <a:endParaRPr kumimoji="1" lang="ja-JP" altLang="en-US"/>
           </a:p>
@@ -3575,12 +3575,84 @@
           <a:chExt cx="0" cy="0"/>
         </a:xfrm>
       </p:grpSpPr>
+      <p:sp>
+        <p:nvSpPr>
+          <p:cNvPr id="2" name="テキスト ボックス 1">
+            <a:extLst>
+              <a:ext uri="{FF2B5EF4-FFF2-40B4-BE49-F238E27FC236}">
+                <a16:creationId xmlns:a16="http://schemas.microsoft.com/office/drawing/2014/main" id="{9FA35C7F-0849-3D45-B9E6-B4A10D7533E3}"/>
+              </a:ext>
+            </a:extLst>
+          </p:cNvPr>
+          <p:cNvSpPr txBox="1"/>
+          <p:nvPr/>
+        </p:nvSpPr>
+        <p:spPr>
+          <a:xfrm>
+            <a:off x="1065706" y="1252803"/>
+            <a:ext cx="1266092" cy="369332"/>
+          </a:xfrm>
+          <a:prstGeom prst="rect">
+            <a:avLst/>
+          </a:prstGeom>
+          <a:noFill/>
+        </p:spPr>
+        <p:txBody>
+          <a:bodyPr wrap="square" rtlCol="0">
+            <a:spAutoFit/>
+          </a:bodyPr>
+          <a:lstStyle/>
+          <a:p>
+            <a:r>
+              <a:rPr kumimoji="1" lang="en-US" altLang="ja-JP" dirty="0"/>
+              <a:t>(a)</a:t>
+            </a:r>
+            <a:endParaRPr kumimoji="1" lang="ja-JP" altLang="en-US"/>
+          </a:p>
+        </p:txBody>
+      </p:sp>
+      <p:sp>
+        <p:nvSpPr>
+          <p:cNvPr id="5" name="テキスト ボックス 4">
+            <a:extLst>
+              <a:ext uri="{FF2B5EF4-FFF2-40B4-BE49-F238E27FC236}">
+                <a16:creationId xmlns:a16="http://schemas.microsoft.com/office/drawing/2014/main" id="{6BD8ED3E-710D-584A-8B27-D22269C36485}"/>
+              </a:ext>
+            </a:extLst>
+          </p:cNvPr>
+          <p:cNvSpPr txBox="1"/>
+          <p:nvPr/>
+        </p:nvSpPr>
+        <p:spPr>
+          <a:xfrm>
+            <a:off x="6096000" y="1239837"/>
+            <a:ext cx="1266092" cy="369332"/>
+          </a:xfrm>
+          <a:prstGeom prst="rect">
+            <a:avLst/>
+          </a:prstGeom>
+          <a:noFill/>
+        </p:spPr>
+        <p:txBody>
+          <a:bodyPr wrap="square" rtlCol="0">
+            <a:spAutoFit/>
+          </a:bodyPr>
+          <a:lstStyle/>
+          <a:p>
+            <a:r>
+              <a:rPr kumimoji="1" lang="en-US" altLang="ja-JP"/>
+              <a:t>(b)</a:t>
+            </a:r>
+            <a:endParaRPr kumimoji="1" lang="ja-JP" altLang="en-US"/>
+          </a:p>
+        </p:txBody>
+      </p:sp>
       <p:pic>
         <p:nvPicPr>
-          <p:cNvPr id="3" name="図 2">
-            <a:extLst>
-              <a:ext uri="{FF2B5EF4-FFF2-40B4-BE49-F238E27FC236}">
-                <a16:creationId xmlns:a16="http://schemas.microsoft.com/office/drawing/2014/main" id="{067F81E1-4A07-4A77-BBE3-0A97FAC8937F}"/>
+          <p:cNvPr id="7" name="図 6">
+            <a:extLst>
+              <a:ext uri="{FF2B5EF4-FFF2-40B4-BE49-F238E27FC236}">
+                <a16:creationId xmlns:a16="http://schemas.microsoft.com/office/drawing/2014/main" id="{8ABF1C2C-3417-42C3-8CEC-247222AF776D}"/>
               </a:ext>
             </a:extLst>
           </p:cNvPr>
@@ -3597,8 +3669,8 @@
         </p:blipFill>
         <p:spPr>
           <a:xfrm>
-            <a:off x="942348" y="1609169"/>
-            <a:ext cx="5335253" cy="3639661"/>
+            <a:off x="5850584" y="1622135"/>
+            <a:ext cx="5702728" cy="3639661"/>
           </a:xfrm>
           <a:prstGeom prst="rect">
             <a:avLst/>
@@ -3607,10 +3679,10 @@
       </p:pic>
       <p:pic>
         <p:nvPicPr>
-          <p:cNvPr id="4" name="図 3">
-            <a:extLst>
-              <a:ext uri="{FF2B5EF4-FFF2-40B4-BE49-F238E27FC236}">
-                <a16:creationId xmlns:a16="http://schemas.microsoft.com/office/drawing/2014/main" id="{EE352F08-0275-5C48-A854-84D1494C9AC4}"/>
+          <p:cNvPr id="8" name="図 7">
+            <a:extLst>
+              <a:ext uri="{FF2B5EF4-FFF2-40B4-BE49-F238E27FC236}">
+                <a16:creationId xmlns:a16="http://schemas.microsoft.com/office/drawing/2014/main" id="{ED272DB9-0194-47D1-97B6-CB4F6034E4DD}"/>
               </a:ext>
             </a:extLst>
           </p:cNvPr>
@@ -3627,86 +3699,14 @@
         </p:blipFill>
         <p:spPr>
           <a:xfrm>
-            <a:off x="6096000" y="1622135"/>
-            <a:ext cx="5030294" cy="3613729"/>
+            <a:off x="797568" y="1609169"/>
+            <a:ext cx="5499930" cy="3639661"/>
           </a:xfrm>
           <a:prstGeom prst="rect">
             <a:avLst/>
           </a:prstGeom>
         </p:spPr>
       </p:pic>
-      <p:sp>
-        <p:nvSpPr>
-          <p:cNvPr id="2" name="テキスト ボックス 1">
-            <a:extLst>
-              <a:ext uri="{FF2B5EF4-FFF2-40B4-BE49-F238E27FC236}">
-                <a16:creationId xmlns:a16="http://schemas.microsoft.com/office/drawing/2014/main" id="{9FA35C7F-0849-3D45-B9E6-B4A10D7533E3}"/>
-              </a:ext>
-            </a:extLst>
-          </p:cNvPr>
-          <p:cNvSpPr txBox="1"/>
-          <p:nvPr/>
-        </p:nvSpPr>
-        <p:spPr>
-          <a:xfrm>
-            <a:off x="1065706" y="1252803"/>
-            <a:ext cx="1266092" cy="369332"/>
-          </a:xfrm>
-          <a:prstGeom prst="rect">
-            <a:avLst/>
-          </a:prstGeom>
-          <a:noFill/>
-        </p:spPr>
-        <p:txBody>
-          <a:bodyPr wrap="square" rtlCol="0">
-            <a:spAutoFit/>
-          </a:bodyPr>
-          <a:lstStyle/>
-          <a:p>
-            <a:r>
-              <a:rPr kumimoji="1" lang="en-US" altLang="ja-JP" dirty="0"/>
-              <a:t>(a)</a:t>
-            </a:r>
-            <a:endParaRPr kumimoji="1" lang="ja-JP" altLang="en-US"/>
-          </a:p>
-        </p:txBody>
-      </p:sp>
-      <p:sp>
-        <p:nvSpPr>
-          <p:cNvPr id="5" name="テキスト ボックス 4">
-            <a:extLst>
-              <a:ext uri="{FF2B5EF4-FFF2-40B4-BE49-F238E27FC236}">
-                <a16:creationId xmlns:a16="http://schemas.microsoft.com/office/drawing/2014/main" id="{6BD8ED3E-710D-584A-8B27-D22269C36485}"/>
-              </a:ext>
-            </a:extLst>
-          </p:cNvPr>
-          <p:cNvSpPr txBox="1"/>
-          <p:nvPr/>
-        </p:nvSpPr>
-        <p:spPr>
-          <a:xfrm>
-            <a:off x="6096000" y="1239837"/>
-            <a:ext cx="1266092" cy="369332"/>
-          </a:xfrm>
-          <a:prstGeom prst="rect">
-            <a:avLst/>
-          </a:prstGeom>
-          <a:noFill/>
-        </p:spPr>
-        <p:txBody>
-          <a:bodyPr wrap="square" rtlCol="0">
-            <a:spAutoFit/>
-          </a:bodyPr>
-          <a:lstStyle/>
-          <a:p>
-            <a:r>
-              <a:rPr kumimoji="1" lang="en-US" altLang="ja-JP"/>
-              <a:t>(b)</a:t>
-            </a:r>
-            <a:endParaRPr kumimoji="1" lang="ja-JP" altLang="en-US"/>
-          </a:p>
-        </p:txBody>
-      </p:sp>
     </p:spTree>
     <p:extLst>
       <p:ext uri="{BB962C8B-B14F-4D97-AF65-F5344CB8AC3E}">
